--- a/batch1/ppt/cloud computing.1.pptx
+++ b/batch1/ppt/cloud computing.1.pptx
@@ -132,7 +132,7 @@
   </p:defaultTextStyle>
   <p:extLst>
     <p:ext uri="{EFAFB233-063F-42B5-8137-9DF3F51BA10A}">
-      <p15:sldGuideLst xmlns:p15="http://schemas.microsoft.com/office/powerpoint/2012/main"/>
+      <p15:sldGuideLst xmlns:p15="http://schemas.microsoft.com/office/powerpoint/2012/main" xmlns=""/>
     </p:ext>
   </p:extLst>
 </p:presentation>
@@ -1742,6 +1742,13 @@
         </dgm:presLayoutVars>
       </dgm:prSet>
       <dgm:spPr/>
+      <dgm:t>
+        <a:bodyPr/>
+        <a:lstStyle/>
+        <a:p>
+          <a:endParaRPr lang="en-IN"/>
+        </a:p>
+      </dgm:t>
     </dgm:pt>
     <dgm:pt modelId="{7F484A0B-6EC4-428D-BF0F-509CC03666FF}" type="pres">
       <dgm:prSet presAssocID="{DA22363D-D03D-4039-80FD-06D07BD2BEF1}" presName="parTxOnly" presStyleLbl="node1" presStyleIdx="0" presStyleCnt="2" custLinFactY="52668" custLinFactNeighborX="-704" custLinFactNeighborY="100000">
@@ -1750,6 +1757,13 @@
         </dgm:presLayoutVars>
       </dgm:prSet>
       <dgm:spPr/>
+      <dgm:t>
+        <a:bodyPr/>
+        <a:lstStyle/>
+        <a:p>
+          <a:endParaRPr lang="en-IN"/>
+        </a:p>
+      </dgm:t>
     </dgm:pt>
     <dgm:pt modelId="{4E105FAB-70F7-4215-B4DD-7531D77186C3}" type="pres">
       <dgm:prSet presAssocID="{7B58FAD0-F5C7-4C38-9BC9-083C3BB07C73}" presName="parSpace" presStyleCnt="0"/>
@@ -1762,13 +1776,20 @@
         </dgm:presLayoutVars>
       </dgm:prSet>
       <dgm:spPr/>
+      <dgm:t>
+        <a:bodyPr/>
+        <a:lstStyle/>
+        <a:p>
+          <a:endParaRPr lang="en-IN"/>
+        </a:p>
+      </dgm:t>
     </dgm:pt>
   </dgm:ptLst>
   <dgm:cxnLst>
     <dgm:cxn modelId="{57DA1702-013D-4A7D-86BB-4399BD473DBE}" type="presOf" srcId="{BD0C3F68-6415-49CB-93F8-7F06D1805BAC}" destId="{31C0DA59-6170-4652-9C40-08B595266E4C}" srcOrd="0" destOrd="0" presId="urn:microsoft.com/office/officeart/2005/8/layout/hChevron3"/>
     <dgm:cxn modelId="{A3C4D305-C0E3-4549-8E48-DE7B0CF5877C}" srcId="{3C89349C-7BE9-4D55-B921-91E5A187F3AA}" destId="{BD0C3F68-6415-49CB-93F8-7F06D1805BAC}" srcOrd="1" destOrd="0" parTransId="{588C51BB-51E5-47AC-AA33-4407223775EA}" sibTransId="{AC9337C9-3535-4279-B672-27E2306CAEC6}"/>
+    <dgm:cxn modelId="{08726467-AFF9-463E-B23C-5C2FEC22A034}" srcId="{3C89349C-7BE9-4D55-B921-91E5A187F3AA}" destId="{DA22363D-D03D-4039-80FD-06D07BD2BEF1}" srcOrd="0" destOrd="0" parTransId="{88E53EDF-F43C-4952-A2C7-E37C2AA70841}" sibTransId="{7B58FAD0-F5C7-4C38-9BC9-083C3BB07C73}"/>
     <dgm:cxn modelId="{DD604E38-4151-462E-9056-122836D56400}" type="presOf" srcId="{DA22363D-D03D-4039-80FD-06D07BD2BEF1}" destId="{7F484A0B-6EC4-428D-BF0F-509CC03666FF}" srcOrd="0" destOrd="0" presId="urn:microsoft.com/office/officeart/2005/8/layout/hChevron3"/>
-    <dgm:cxn modelId="{08726467-AFF9-463E-B23C-5C2FEC22A034}" srcId="{3C89349C-7BE9-4D55-B921-91E5A187F3AA}" destId="{DA22363D-D03D-4039-80FD-06D07BD2BEF1}" srcOrd="0" destOrd="0" parTransId="{88E53EDF-F43C-4952-A2C7-E37C2AA70841}" sibTransId="{7B58FAD0-F5C7-4C38-9BC9-083C3BB07C73}"/>
     <dgm:cxn modelId="{E8B1558F-A966-40BC-8FB3-1024AE9AD97C}" type="presOf" srcId="{3C89349C-7BE9-4D55-B921-91E5A187F3AA}" destId="{FF641960-BC77-4145-9B8C-4B1202AB824B}" srcOrd="0" destOrd="0" presId="urn:microsoft.com/office/officeart/2005/8/layout/hChevron3"/>
     <dgm:cxn modelId="{BA7F5155-F36C-4856-AB5E-7C0D56E1E28B}" type="presParOf" srcId="{FF641960-BC77-4145-9B8C-4B1202AB824B}" destId="{7F484A0B-6EC4-428D-BF0F-509CC03666FF}" srcOrd="0" destOrd="0" presId="urn:microsoft.com/office/officeart/2005/8/layout/hChevron3"/>
     <dgm:cxn modelId="{874EF727-3D65-4429-83C5-6C157B9E890B}" type="presParOf" srcId="{FF641960-BC77-4145-9B8C-4B1202AB824B}" destId="{4E105FAB-70F7-4215-B4DD-7531D77186C3}" srcOrd="1" destOrd="0" presId="urn:microsoft.com/office/officeart/2005/8/layout/hChevron3"/>
@@ -1850,6 +1871,13 @@
         </dgm:presLayoutVars>
       </dgm:prSet>
       <dgm:spPr/>
+      <dgm:t>
+        <a:bodyPr/>
+        <a:lstStyle/>
+        <a:p>
+          <a:endParaRPr lang="en-IN"/>
+        </a:p>
+      </dgm:t>
     </dgm:pt>
     <dgm:pt modelId="{1737D7C5-00DB-4C99-8D43-A5AB597F71A4}" type="pres">
       <dgm:prSet presAssocID="{E32E3C35-148A-49B2-8BF8-85BD91AFD1F1}" presName="parTxOnly" presStyleLbl="node1" presStyleIdx="0" presStyleCnt="1" custScaleX="140769" custScaleY="122937" custLinFactNeighborX="-7940" custLinFactNeighborY="-1242">
@@ -1860,12 +1888,19 @@
         </dgm:presLayoutVars>
       </dgm:prSet>
       <dgm:spPr/>
+      <dgm:t>
+        <a:bodyPr/>
+        <a:lstStyle/>
+        <a:p>
+          <a:endParaRPr lang="en-IN"/>
+        </a:p>
+      </dgm:t>
     </dgm:pt>
   </dgm:ptLst>
   <dgm:cxnLst>
+    <dgm:cxn modelId="{8B109184-8AEA-46B0-BC70-39AD0FBF3A78}" type="presOf" srcId="{E32E3C35-148A-49B2-8BF8-85BD91AFD1F1}" destId="{1737D7C5-00DB-4C99-8D43-A5AB597F71A4}" srcOrd="0" destOrd="0" presId="urn:microsoft.com/office/officeart/2005/8/layout/chevron1"/>
+    <dgm:cxn modelId="{4AD1E548-EDE7-473D-96A2-2A5E23E105CD}" type="presOf" srcId="{9313C9C1-87A5-459A-853A-AC5586A334C6}" destId="{F88E2331-4F5C-4E35-952C-42CE5467AFFF}" srcOrd="0" destOrd="0" presId="urn:microsoft.com/office/officeart/2005/8/layout/chevron1"/>
     <dgm:cxn modelId="{F1411A05-B9E1-4D42-A4DA-E8594E87B5C8}" srcId="{9313C9C1-87A5-459A-853A-AC5586A334C6}" destId="{E32E3C35-148A-49B2-8BF8-85BD91AFD1F1}" srcOrd="0" destOrd="0" parTransId="{6BA2A7CC-9316-4F3D-B846-6D5E0B0B3AD9}" sibTransId="{89B6B42A-1ABD-49C2-86EC-273626BA959D}"/>
-    <dgm:cxn modelId="{4AD1E548-EDE7-473D-96A2-2A5E23E105CD}" type="presOf" srcId="{9313C9C1-87A5-459A-853A-AC5586A334C6}" destId="{F88E2331-4F5C-4E35-952C-42CE5467AFFF}" srcOrd="0" destOrd="0" presId="urn:microsoft.com/office/officeart/2005/8/layout/chevron1"/>
-    <dgm:cxn modelId="{8B109184-8AEA-46B0-BC70-39AD0FBF3A78}" type="presOf" srcId="{E32E3C35-148A-49B2-8BF8-85BD91AFD1F1}" destId="{1737D7C5-00DB-4C99-8D43-A5AB597F71A4}" srcOrd="0" destOrd="0" presId="urn:microsoft.com/office/officeart/2005/8/layout/chevron1"/>
     <dgm:cxn modelId="{1CA3C69C-9672-4A79-82F1-FC67F3F3FB98}" type="presParOf" srcId="{F88E2331-4F5C-4E35-952C-42CE5467AFFF}" destId="{1737D7C5-00DB-4C99-8D43-A5AB597F71A4}" srcOrd="0" destOrd="0" presId="urn:microsoft.com/office/officeart/2005/8/layout/chevron1"/>
   </dgm:cxnLst>
   <dgm:bg/>
@@ -1977,7 +2012,7 @@
         </a:bodyPr>
         <a:lstStyle/>
         <a:p>
-          <a:pPr marL="0" lvl="0" indent="0" algn="ctr" defTabSz="1377950">
+          <a:pPr lvl="0" algn="ctr" defTabSz="1377950">
             <a:lnSpc>
               <a:spcPct val="90000"/>
             </a:lnSpc>
@@ -1987,7 +2022,6 @@
             <a:spcAft>
               <a:spcPct val="35000"/>
             </a:spcAft>
-            <a:buNone/>
           </a:pPr>
           <a:r>
             <a:rPr lang="en-IN" sz="3100" kern="1200" baseline="0" dirty="0" err="1"/>
@@ -2092,7 +2126,7 @@
         </a:bodyPr>
         <a:lstStyle/>
         <a:p>
-          <a:pPr marL="0" lvl="0" indent="0" algn="ctr" defTabSz="1377950">
+          <a:pPr lvl="0" algn="ctr" defTabSz="1377950">
             <a:lnSpc>
               <a:spcPct val="90000"/>
             </a:lnSpc>
@@ -2102,7 +2136,6 @@
             <a:spcAft>
               <a:spcPct val="35000"/>
             </a:spcAft>
-            <a:buNone/>
           </a:pPr>
           <a:r>
             <a:rPr lang="en-IN" sz="3100" kern="1200" baseline="0" dirty="0"/>
@@ -2228,7 +2261,7 @@
         </a:bodyPr>
         <a:lstStyle/>
         <a:p>
-          <a:pPr marL="0" lvl="0" indent="0" algn="ctr" defTabSz="1422400">
+          <a:pPr lvl="0" algn="ctr" defTabSz="1422400">
             <a:lnSpc>
               <a:spcPct val="90000"/>
             </a:lnSpc>
@@ -2238,7 +2271,6 @@
             <a:spcAft>
               <a:spcPct val="35000"/>
             </a:spcAft>
-            <a:buNone/>
           </a:pPr>
           <a:r>
             <a:rPr lang="en-IN" sz="3200" kern="1200" baseline="0" dirty="0"/>
@@ -2246,7 +2278,7 @@
           </a:r>
         </a:p>
         <a:p>
-          <a:pPr marL="0" lvl="0" indent="0" algn="ctr" defTabSz="1422400">
+          <a:pPr lvl="0" algn="ctr" defTabSz="1422400">
             <a:lnSpc>
               <a:spcPct val="90000"/>
             </a:lnSpc>
@@ -2256,7 +2288,6 @@
             <a:spcAft>
               <a:spcPct val="35000"/>
             </a:spcAft>
-            <a:buNone/>
           </a:pPr>
           <a:r>
             <a:rPr lang="en-IN" sz="3200" kern="1200" baseline="0" dirty="0"/>
@@ -5379,7 +5410,7 @@
           <a:p>
             <a:fld id="{1C6E12D2-DA3A-480B-BCDF-BFB6C7EBE402}" type="datetimeFigureOut">
               <a:rPr lang="en-US" smtClean="0"/>
-              <a:t>3/12/2023</a:t>
+              <a:t>3/20/2023</a:t>
             </a:fld>
             <a:endParaRPr lang="en-US"/>
           </a:p>
@@ -5695,7 +5726,7 @@
           <a:p>
             <a:fld id="{1C6E12D2-DA3A-480B-BCDF-BFB6C7EBE402}" type="datetimeFigureOut">
               <a:rPr lang="en-US" smtClean="0"/>
-              <a:t>3/12/2023</a:t>
+              <a:t>3/20/2023</a:t>
             </a:fld>
             <a:endParaRPr lang="en-US"/>
           </a:p>
@@ -5918,7 +5949,7 @@
           <a:p>
             <a:fld id="{1C6E12D2-DA3A-480B-BCDF-BFB6C7EBE402}" type="datetimeFigureOut">
               <a:rPr lang="en-US" smtClean="0"/>
-              <a:t>3/12/2023</a:t>
+              <a:t>3/20/2023</a:t>
             </a:fld>
             <a:endParaRPr lang="en-US"/>
           </a:p>
@@ -6210,7 +6241,7 @@
           <a:p>
             <a:fld id="{1C6E12D2-DA3A-480B-BCDF-BFB6C7EBE402}" type="datetimeFigureOut">
               <a:rPr lang="en-US" smtClean="0"/>
-              <a:t>3/12/2023</a:t>
+              <a:t>3/20/2023</a:t>
             </a:fld>
             <a:endParaRPr lang="en-US"/>
           </a:p>
@@ -6665,7 +6696,7 @@
           <a:p>
             <a:fld id="{1C6E12D2-DA3A-480B-BCDF-BFB6C7EBE402}" type="datetimeFigureOut">
               <a:rPr lang="en-US" smtClean="0"/>
-              <a:t>3/12/2023</a:t>
+              <a:t>3/20/2023</a:t>
             </a:fld>
             <a:endParaRPr lang="en-US"/>
           </a:p>
@@ -7242,7 +7273,7 @@
           <a:p>
             <a:fld id="{1C6E12D2-DA3A-480B-BCDF-BFB6C7EBE402}" type="datetimeFigureOut">
               <a:rPr lang="en-US" smtClean="0"/>
-              <a:t>3/12/2023</a:t>
+              <a:t>3/20/2023</a:t>
             </a:fld>
             <a:endParaRPr lang="en-US"/>
           </a:p>
@@ -8104,7 +8135,7 @@
           <a:p>
             <a:fld id="{1C6E12D2-DA3A-480B-BCDF-BFB6C7EBE402}" type="datetimeFigureOut">
               <a:rPr lang="en-US" smtClean="0"/>
-              <a:t>3/12/2023</a:t>
+              <a:t>3/20/2023</a:t>
             </a:fld>
             <a:endParaRPr lang="en-US"/>
           </a:p>
@@ -8310,7 +8341,7 @@
           <a:p>
             <a:fld id="{1C6E12D2-DA3A-480B-BCDF-BFB6C7EBE402}" type="datetimeFigureOut">
               <a:rPr lang="en-US" smtClean="0"/>
-              <a:t>3/12/2023</a:t>
+              <a:t>3/20/2023</a:t>
             </a:fld>
             <a:endParaRPr lang="en-US"/>
           </a:p>
@@ -8525,7 +8556,7 @@
           <a:p>
             <a:fld id="{1C6E12D2-DA3A-480B-BCDF-BFB6C7EBE402}" type="datetimeFigureOut">
               <a:rPr lang="en-US" smtClean="0"/>
-              <a:t>3/12/2023</a:t>
+              <a:t>3/20/2023</a:t>
             </a:fld>
             <a:endParaRPr lang="en-US"/>
           </a:p>
@@ -8706,7 +8737,7 @@
           <a:p>
             <a:fld id="{1C6E12D2-DA3A-480B-BCDF-BFB6C7EBE402}" type="datetimeFigureOut">
               <a:rPr lang="en-US" smtClean="0"/>
-              <a:t>3/12/2023</a:t>
+              <a:t>3/20/2023</a:t>
             </a:fld>
             <a:endParaRPr lang="en-US"/>
           </a:p>
@@ -8943,7 +8974,7 @@
           <a:p>
             <a:fld id="{1C6E12D2-DA3A-480B-BCDF-BFB6C7EBE402}" type="datetimeFigureOut">
               <a:rPr lang="en-US" smtClean="0"/>
-              <a:t>3/12/2023</a:t>
+              <a:t>3/20/2023</a:t>
             </a:fld>
             <a:endParaRPr lang="en-US"/>
           </a:p>
@@ -9154,7 +9185,7 @@
           <a:p>
             <a:fld id="{1C6E12D2-DA3A-480B-BCDF-BFB6C7EBE402}" type="datetimeFigureOut">
               <a:rPr lang="en-US" smtClean="0"/>
-              <a:t>3/12/2023</a:t>
+              <a:t>3/20/2023</a:t>
             </a:fld>
             <a:endParaRPr lang="en-US"/>
           </a:p>
@@ -9435,7 +9466,7 @@
           <a:p>
             <a:fld id="{1C6E12D2-DA3A-480B-BCDF-BFB6C7EBE402}" type="datetimeFigureOut">
               <a:rPr lang="en-US" smtClean="0"/>
-              <a:t>3/12/2023</a:t>
+              <a:t>3/20/2023</a:t>
             </a:fld>
             <a:endParaRPr lang="en-US"/>
           </a:p>
@@ -9703,7 +9734,7 @@
           <a:p>
             <a:fld id="{1C6E12D2-DA3A-480B-BCDF-BFB6C7EBE402}" type="datetimeFigureOut">
               <a:rPr lang="en-US" smtClean="0"/>
-              <a:t>3/12/2023</a:t>
+              <a:t>3/20/2023</a:t>
             </a:fld>
             <a:endParaRPr lang="en-US"/>
           </a:p>
@@ -10119,7 +10150,7 @@
           <a:p>
             <a:fld id="{1C6E12D2-DA3A-480B-BCDF-BFB6C7EBE402}" type="datetimeFigureOut">
               <a:rPr lang="en-US" smtClean="0"/>
-              <a:t>3/12/2023</a:t>
+              <a:t>3/20/2023</a:t>
             </a:fld>
             <a:endParaRPr lang="en-US"/>
           </a:p>
@@ -10268,7 +10299,7 @@
           <a:p>
             <a:fld id="{1C6E12D2-DA3A-480B-BCDF-BFB6C7EBE402}" type="datetimeFigureOut">
               <a:rPr lang="en-US" smtClean="0"/>
-              <a:t>3/12/2023</a:t>
+              <a:t>3/20/2023</a:t>
             </a:fld>
             <a:endParaRPr lang="en-US"/>
           </a:p>
@@ -10394,7 +10425,7 @@
           <a:p>
             <a:fld id="{1C6E12D2-DA3A-480B-BCDF-BFB6C7EBE402}" type="datetimeFigureOut">
               <a:rPr lang="en-US" smtClean="0"/>
-              <a:t>3/12/2023</a:t>
+              <a:t>3/20/2023</a:t>
             </a:fld>
             <a:endParaRPr lang="en-US"/>
           </a:p>
@@ -10674,7 +10705,7 @@
           <a:p>
             <a:fld id="{1C6E12D2-DA3A-480B-BCDF-BFB6C7EBE402}" type="datetimeFigureOut">
               <a:rPr lang="en-US" smtClean="0"/>
-              <a:t>3/12/2023</a:t>
+              <a:t>3/20/2023</a:t>
             </a:fld>
             <a:endParaRPr lang="en-US"/>
           </a:p>
@@ -10990,7 +11021,7 @@
           <a:p>
             <a:fld id="{1C6E12D2-DA3A-480B-BCDF-BFB6C7EBE402}" type="datetimeFigureOut">
               <a:rPr lang="en-US" smtClean="0"/>
-              <a:t>3/12/2023</a:t>
+              <a:t>3/20/2023</a:t>
             </a:fld>
             <a:endParaRPr lang="en-US"/>
           </a:p>
@@ -11244,7 +11275,7 @@
           <a:p>
             <a:fld id="{1C6E12D2-DA3A-480B-BCDF-BFB6C7EBE402}" type="datetimeFigureOut">
               <a:rPr lang="en-US" smtClean="0"/>
-              <a:t>3/12/2023</a:t>
+              <a:t>3/20/2023</a:t>
             </a:fld>
             <a:endParaRPr lang="en-US"/>
           </a:p>
@@ -11737,7 +11768,7 @@
           <p:cNvPr id="6" name="Content Placeholder 5">
             <a:extLst>
               <a:ext uri="{FF2B5EF4-FFF2-40B4-BE49-F238E27FC236}">
-                <a16:creationId xmlns:a16="http://schemas.microsoft.com/office/drawing/2014/main" id="{48372D83-065B-4470-AA11-8FCECDB570B9}"/>
+                <a16:creationId xmlns:a16="http://schemas.microsoft.com/office/drawing/2014/main" xmlns="" id="{48372D83-065B-4470-AA11-8FCECDB570B9}"/>
               </a:ext>
             </a:extLst>
           </p:cNvPr>
@@ -11768,7 +11799,7 @@
           <p:cNvPr id="4" name="Diagram 3">
             <a:extLst>
               <a:ext uri="{FF2B5EF4-FFF2-40B4-BE49-F238E27FC236}">
-                <a16:creationId xmlns:a16="http://schemas.microsoft.com/office/drawing/2014/main" id="{D715F49F-B21E-4D8B-9DCE-18857454D246}"/>
+                <a16:creationId xmlns:a16="http://schemas.microsoft.com/office/drawing/2014/main" xmlns="" id="{D715F49F-B21E-4D8B-9DCE-18857454D246}"/>
               </a:ext>
             </a:extLst>
           </p:cNvPr>
@@ -11796,7 +11827,7 @@
           <p:cNvPr id="10" name="Picture 9">
             <a:extLst>
               <a:ext uri="{FF2B5EF4-FFF2-40B4-BE49-F238E27FC236}">
-                <a16:creationId xmlns:a16="http://schemas.microsoft.com/office/drawing/2014/main" id="{AA640195-B682-4092-8A5B-AF09B6904B02}"/>
+                <a16:creationId xmlns:a16="http://schemas.microsoft.com/office/drawing/2014/main" xmlns="" id="{AA640195-B682-4092-8A5B-AF09B6904B02}"/>
               </a:ext>
             </a:extLst>
           </p:cNvPr>
@@ -11857,7 +11888,7 @@
           <p:cNvPr id="2" name="Title 1">
             <a:extLst>
               <a:ext uri="{FF2B5EF4-FFF2-40B4-BE49-F238E27FC236}">
-                <a16:creationId xmlns:a16="http://schemas.microsoft.com/office/drawing/2014/main" id="{C2C2536C-3493-449E-BA01-FCF72528E15A}"/>
+                <a16:creationId xmlns:a16="http://schemas.microsoft.com/office/drawing/2014/main" xmlns="" id="{C2C2536C-3493-449E-BA01-FCF72528E15A}"/>
               </a:ext>
             </a:extLst>
           </p:cNvPr>
@@ -11893,7 +11924,7 @@
           <p:cNvPr id="3" name="Content Placeholder 2">
             <a:extLst>
               <a:ext uri="{FF2B5EF4-FFF2-40B4-BE49-F238E27FC236}">
-                <a16:creationId xmlns:a16="http://schemas.microsoft.com/office/drawing/2014/main" id="{3EB30253-96F1-4DC0-A823-F4BB3D8096DA}"/>
+                <a16:creationId xmlns:a16="http://schemas.microsoft.com/office/drawing/2014/main" xmlns="" id="{3EB30253-96F1-4DC0-A823-F4BB3D8096DA}"/>
               </a:ext>
             </a:extLst>
           </p:cNvPr>
@@ -12125,7 +12156,7 @@
           <p:cNvPr id="2" name="Title 1">
             <a:extLst>
               <a:ext uri="{FF2B5EF4-FFF2-40B4-BE49-F238E27FC236}">
-                <a16:creationId xmlns:a16="http://schemas.microsoft.com/office/drawing/2014/main" id="{5E3D4272-2C1D-4EE8-B351-1562E9A6E079}"/>
+                <a16:creationId xmlns:a16="http://schemas.microsoft.com/office/drawing/2014/main" xmlns="" id="{5E3D4272-2C1D-4EE8-B351-1562E9A6E079}"/>
               </a:ext>
             </a:extLst>
           </p:cNvPr>
@@ -12158,6 +12189,14 @@
               </a:rPr>
               <a:t>maintenance</a:t>
             </a:r>
+            <a:r>
+              <a:rPr lang="en-US" dirty="0">
+                <a:latin typeface="Calibri" panose="020F0502020204030204" pitchFamily="34" charset="0"/>
+                <a:ea typeface="Calibri" panose="020F0502020204030204" pitchFamily="34" charset="0"/>
+                <a:cs typeface="Times New Roman" panose="02020603050405020304" pitchFamily="18" charset="0"/>
+              </a:rPr>
+              <a:t/>
+            </a:r>
             <a:br>
               <a:rPr lang="en-US" dirty="0">
                 <a:latin typeface="Calibri" panose="020F0502020204030204" pitchFamily="34" charset="0"/>
@@ -12165,6 +12204,14 @@
                 <a:cs typeface="Times New Roman" panose="02020603050405020304" pitchFamily="18" charset="0"/>
               </a:rPr>
             </a:br>
+            <a:r>
+              <a:rPr lang="en-US" dirty="0">
+                <a:latin typeface="Calibri" panose="020F0502020204030204" pitchFamily="34" charset="0"/>
+                <a:ea typeface="Calibri" panose="020F0502020204030204" pitchFamily="34" charset="0"/>
+                <a:cs typeface="Times New Roman" panose="02020603050405020304" pitchFamily="18" charset="0"/>
+              </a:rPr>
+              <a:t/>
+            </a:r>
             <a:br>
               <a:rPr lang="en-US" dirty="0">
                 <a:latin typeface="Calibri" panose="020F0502020204030204" pitchFamily="34" charset="0"/>
@@ -12181,7 +12228,7 @@
           <p:cNvPr id="3" name="Content Placeholder 2">
             <a:extLst>
               <a:ext uri="{FF2B5EF4-FFF2-40B4-BE49-F238E27FC236}">
-                <a16:creationId xmlns:a16="http://schemas.microsoft.com/office/drawing/2014/main" id="{8BA27D46-7E66-484D-9E0A-D878F56CC8B4}"/>
+                <a16:creationId xmlns:a16="http://schemas.microsoft.com/office/drawing/2014/main" xmlns="" id="{8BA27D46-7E66-484D-9E0A-D878F56CC8B4}"/>
               </a:ext>
             </a:extLst>
           </p:cNvPr>
@@ -12283,7 +12330,7 @@
           <p:cNvPr id="2" name="Title 1">
             <a:extLst>
               <a:ext uri="{FF2B5EF4-FFF2-40B4-BE49-F238E27FC236}">
-                <a16:creationId xmlns:a16="http://schemas.microsoft.com/office/drawing/2014/main" id="{009F9D15-6DD8-4720-989F-202E8F5A3A8C}"/>
+                <a16:creationId xmlns:a16="http://schemas.microsoft.com/office/drawing/2014/main" xmlns="" id="{009F9D15-6DD8-4720-989F-202E8F5A3A8C}"/>
               </a:ext>
             </a:extLst>
           </p:cNvPr>
@@ -12317,7 +12364,7 @@
           <p:cNvPr id="3" name="Content Placeholder 2">
             <a:extLst>
               <a:ext uri="{FF2B5EF4-FFF2-40B4-BE49-F238E27FC236}">
-                <a16:creationId xmlns:a16="http://schemas.microsoft.com/office/drawing/2014/main" id="{1AA8DDEF-9E07-4CE5-9973-D9EDC950461F}"/>
+                <a16:creationId xmlns:a16="http://schemas.microsoft.com/office/drawing/2014/main" xmlns="" id="{1AA8DDEF-9E07-4CE5-9973-D9EDC950461F}"/>
               </a:ext>
             </a:extLst>
           </p:cNvPr>
@@ -12619,6 +12666,10 @@
           </a:bodyPr>
           <a:lstStyle/>
           <a:p>
+            <a:r>
+              <a:rPr lang="en-IN" dirty="0"/>
+              <a:t/>
+            </a:r>
             <a:br>
               <a:rPr lang="en-IN" dirty="0"/>
             </a:br>
@@ -12658,28 +12709,28 @@
                 <a:gridCol w="1523999">
                   <a:extLst>
                     <a:ext uri="{9D8B030D-6E8A-4147-A177-3AD203B41FA5}">
-                      <a16:colId xmlns:a16="http://schemas.microsoft.com/office/drawing/2014/main" val="20000"/>
+                      <a16:colId xmlns:a16="http://schemas.microsoft.com/office/drawing/2014/main" xmlns="" val="20000"/>
                     </a:ext>
                   </a:extLst>
                 </a:gridCol>
                 <a:gridCol w="1614985">
                   <a:extLst>
                     <a:ext uri="{9D8B030D-6E8A-4147-A177-3AD203B41FA5}">
-                      <a16:colId xmlns:a16="http://schemas.microsoft.com/office/drawing/2014/main" val="20001"/>
+                      <a16:colId xmlns:a16="http://schemas.microsoft.com/office/drawing/2014/main" xmlns="" val="20001"/>
                     </a:ext>
                   </a:extLst>
                 </a:gridCol>
                 <a:gridCol w="1559610">
                   <a:extLst>
                     <a:ext uri="{9D8B030D-6E8A-4147-A177-3AD203B41FA5}">
-                      <a16:colId xmlns:a16="http://schemas.microsoft.com/office/drawing/2014/main" val="20002"/>
+                      <a16:colId xmlns:a16="http://schemas.microsoft.com/office/drawing/2014/main" xmlns="" val="20002"/>
                     </a:ext>
                   </a:extLst>
                 </a:gridCol>
                 <a:gridCol w="2084483">
                   <a:extLst>
                     <a:ext uri="{9D8B030D-6E8A-4147-A177-3AD203B41FA5}">
-                      <a16:colId xmlns:a16="http://schemas.microsoft.com/office/drawing/2014/main" val="20003"/>
+                      <a16:colId xmlns:a16="http://schemas.microsoft.com/office/drawing/2014/main" xmlns="" val="20003"/>
                     </a:ext>
                   </a:extLst>
                 </a:gridCol>
@@ -12803,7 +12854,7 @@
                 </a:tc>
                 <a:extLst>
                   <a:ext uri="{0D108BD9-81ED-4DB2-BD59-A6C34878D82A}">
-                    <a16:rowId xmlns:a16="http://schemas.microsoft.com/office/drawing/2014/main" val="10000"/>
+                    <a16:rowId xmlns:a16="http://schemas.microsoft.com/office/drawing/2014/main" xmlns="" val="10000"/>
                   </a:ext>
                 </a:extLst>
               </a:tr>
@@ -12932,7 +12983,7 @@
                 </a:tc>
                 <a:extLst>
                   <a:ext uri="{0D108BD9-81ED-4DB2-BD59-A6C34878D82A}">
-                    <a16:rowId xmlns:a16="http://schemas.microsoft.com/office/drawing/2014/main" val="10001"/>
+                    <a16:rowId xmlns:a16="http://schemas.microsoft.com/office/drawing/2014/main" xmlns="" val="10001"/>
                   </a:ext>
                 </a:extLst>
               </a:tr>
@@ -13061,7 +13112,7 @@
                 </a:tc>
                 <a:extLst>
                   <a:ext uri="{0D108BD9-81ED-4DB2-BD59-A6C34878D82A}">
-                    <a16:rowId xmlns:a16="http://schemas.microsoft.com/office/drawing/2014/main" val="10002"/>
+                    <a16:rowId xmlns:a16="http://schemas.microsoft.com/office/drawing/2014/main" xmlns="" val="10002"/>
                   </a:ext>
                 </a:extLst>
               </a:tr>
@@ -13184,7 +13235,7 @@
                 </a:tc>
                 <a:extLst>
                   <a:ext uri="{0D108BD9-81ED-4DB2-BD59-A6C34878D82A}">
-                    <a16:rowId xmlns:a16="http://schemas.microsoft.com/office/drawing/2014/main" val="10003"/>
+                    <a16:rowId xmlns:a16="http://schemas.microsoft.com/office/drawing/2014/main" xmlns="" val="10003"/>
                   </a:ext>
                 </a:extLst>
               </a:tr>
@@ -13299,7 +13350,7 @@
                 </a:tc>
                 <a:extLst>
                   <a:ext uri="{0D108BD9-81ED-4DB2-BD59-A6C34878D82A}">
-                    <a16:rowId xmlns:a16="http://schemas.microsoft.com/office/drawing/2014/main" val="10004"/>
+                    <a16:rowId xmlns:a16="http://schemas.microsoft.com/office/drawing/2014/main" xmlns="" val="10004"/>
                   </a:ext>
                 </a:extLst>
               </a:tr>
@@ -13414,7 +13465,7 @@
                 </a:tc>
                 <a:extLst>
                   <a:ext uri="{0D108BD9-81ED-4DB2-BD59-A6C34878D82A}">
-                    <a16:rowId xmlns:a16="http://schemas.microsoft.com/office/drawing/2014/main" val="10005"/>
+                    <a16:rowId xmlns:a16="http://schemas.microsoft.com/office/drawing/2014/main" xmlns="" val="10005"/>
                   </a:ext>
                 </a:extLst>
               </a:tr>
@@ -13529,7 +13580,7 @@
                 </a:tc>
                 <a:extLst>
                   <a:ext uri="{0D108BD9-81ED-4DB2-BD59-A6C34878D82A}">
-                    <a16:rowId xmlns:a16="http://schemas.microsoft.com/office/drawing/2014/main" val="10006"/>
+                    <a16:rowId xmlns:a16="http://schemas.microsoft.com/office/drawing/2014/main" xmlns="" val="10006"/>
                   </a:ext>
                 </a:extLst>
               </a:tr>
@@ -13644,7 +13695,7 @@
                 </a:tc>
                 <a:extLst>
                   <a:ext uri="{0D108BD9-81ED-4DB2-BD59-A6C34878D82A}">
-                    <a16:rowId xmlns:a16="http://schemas.microsoft.com/office/drawing/2014/main" val="10007"/>
+                    <a16:rowId xmlns:a16="http://schemas.microsoft.com/office/drawing/2014/main" xmlns="" val="10007"/>
                   </a:ext>
                 </a:extLst>
               </a:tr>
@@ -13906,28 +13957,28 @@
                 <a:gridCol w="1760149">
                   <a:extLst>
                     <a:ext uri="{9D8B030D-6E8A-4147-A177-3AD203B41FA5}">
-                      <a16:colId xmlns:a16="http://schemas.microsoft.com/office/drawing/2014/main" val="20000"/>
+                      <a16:colId xmlns:a16="http://schemas.microsoft.com/office/drawing/2014/main" xmlns="" val="20000"/>
                     </a:ext>
                   </a:extLst>
                 </a:gridCol>
                 <a:gridCol w="2235352">
                   <a:extLst>
                     <a:ext uri="{9D8B030D-6E8A-4147-A177-3AD203B41FA5}">
-                      <a16:colId xmlns:a16="http://schemas.microsoft.com/office/drawing/2014/main" val="20001"/>
+                      <a16:colId xmlns:a16="http://schemas.microsoft.com/office/drawing/2014/main" xmlns="" val="20001"/>
                     </a:ext>
                   </a:extLst>
                 </a:gridCol>
                 <a:gridCol w="2236319">
                   <a:extLst>
                     <a:ext uri="{9D8B030D-6E8A-4147-A177-3AD203B41FA5}">
-                      <a16:colId xmlns:a16="http://schemas.microsoft.com/office/drawing/2014/main" val="20002"/>
+                      <a16:colId xmlns:a16="http://schemas.microsoft.com/office/drawing/2014/main" xmlns="" val="20002"/>
                     </a:ext>
                   </a:extLst>
                 </a:gridCol>
                 <a:gridCol w="2236319">
                   <a:extLst>
                     <a:ext uri="{9D8B030D-6E8A-4147-A177-3AD203B41FA5}">
-                      <a16:colId xmlns:a16="http://schemas.microsoft.com/office/drawing/2014/main" val="20003"/>
+                      <a16:colId xmlns:a16="http://schemas.microsoft.com/office/drawing/2014/main" xmlns="" val="20003"/>
                     </a:ext>
                   </a:extLst>
                 </a:gridCol>
@@ -14031,7 +14082,7 @@
                 </a:tc>
                 <a:extLst>
                   <a:ext uri="{0D108BD9-81ED-4DB2-BD59-A6C34878D82A}">
-                    <a16:rowId xmlns:a16="http://schemas.microsoft.com/office/drawing/2014/main" val="10000"/>
+                    <a16:rowId xmlns:a16="http://schemas.microsoft.com/office/drawing/2014/main" xmlns="" val="10000"/>
                   </a:ext>
                 </a:extLst>
               </a:tr>
@@ -14141,7 +14192,7 @@
                 </a:tc>
                 <a:extLst>
                   <a:ext uri="{0D108BD9-81ED-4DB2-BD59-A6C34878D82A}">
-                    <a16:rowId xmlns:a16="http://schemas.microsoft.com/office/drawing/2014/main" val="10001"/>
+                    <a16:rowId xmlns:a16="http://schemas.microsoft.com/office/drawing/2014/main" xmlns="" val="10001"/>
                   </a:ext>
                 </a:extLst>
               </a:tr>
@@ -14244,7 +14295,7 @@
                 </a:tc>
                 <a:extLst>
                   <a:ext uri="{0D108BD9-81ED-4DB2-BD59-A6C34878D82A}">
-                    <a16:rowId xmlns:a16="http://schemas.microsoft.com/office/drawing/2014/main" val="10002"/>
+                    <a16:rowId xmlns:a16="http://schemas.microsoft.com/office/drawing/2014/main" xmlns="" val="10002"/>
                   </a:ext>
                 </a:extLst>
               </a:tr>
@@ -14347,7 +14398,7 @@
                 </a:tc>
                 <a:extLst>
                   <a:ext uri="{0D108BD9-81ED-4DB2-BD59-A6C34878D82A}">
-                    <a16:rowId xmlns:a16="http://schemas.microsoft.com/office/drawing/2014/main" val="10003"/>
+                    <a16:rowId xmlns:a16="http://schemas.microsoft.com/office/drawing/2014/main" xmlns="" val="10003"/>
                   </a:ext>
                 </a:extLst>
               </a:tr>
@@ -14450,7 +14501,7 @@
                 </a:tc>
                 <a:extLst>
                   <a:ext uri="{0D108BD9-81ED-4DB2-BD59-A6C34878D82A}">
-                    <a16:rowId xmlns:a16="http://schemas.microsoft.com/office/drawing/2014/main" val="10004"/>
+                    <a16:rowId xmlns:a16="http://schemas.microsoft.com/office/drawing/2014/main" xmlns="" val="10004"/>
                   </a:ext>
                 </a:extLst>
               </a:tr>
@@ -14539,28 +14590,28 @@
                 <a:gridCol w="2183899">
                   <a:extLst>
                     <a:ext uri="{9D8B030D-6E8A-4147-A177-3AD203B41FA5}">
-                      <a16:colId xmlns:a16="http://schemas.microsoft.com/office/drawing/2014/main" val="20000"/>
+                      <a16:colId xmlns:a16="http://schemas.microsoft.com/office/drawing/2014/main" xmlns="" val="20000"/>
                     </a:ext>
                   </a:extLst>
                 </a:gridCol>
                 <a:gridCol w="2183899">
                   <a:extLst>
                     <a:ext uri="{9D8B030D-6E8A-4147-A177-3AD203B41FA5}">
-                      <a16:colId xmlns:a16="http://schemas.microsoft.com/office/drawing/2014/main" val="20001"/>
+                      <a16:colId xmlns:a16="http://schemas.microsoft.com/office/drawing/2014/main" xmlns="" val="20001"/>
                     </a:ext>
                   </a:extLst>
                 </a:gridCol>
                 <a:gridCol w="2184844">
                   <a:extLst>
                     <a:ext uri="{9D8B030D-6E8A-4147-A177-3AD203B41FA5}">
-                      <a16:colId xmlns:a16="http://schemas.microsoft.com/office/drawing/2014/main" val="20002"/>
+                      <a16:colId xmlns:a16="http://schemas.microsoft.com/office/drawing/2014/main" xmlns="" val="20002"/>
                     </a:ext>
                   </a:extLst>
                 </a:gridCol>
                 <a:gridCol w="2184844">
                   <a:extLst>
                     <a:ext uri="{9D8B030D-6E8A-4147-A177-3AD203B41FA5}">
-                      <a16:colId xmlns:a16="http://schemas.microsoft.com/office/drawing/2014/main" val="20003"/>
+                      <a16:colId xmlns:a16="http://schemas.microsoft.com/office/drawing/2014/main" xmlns="" val="20003"/>
                     </a:ext>
                   </a:extLst>
                 </a:gridCol>
@@ -14664,7 +14715,7 @@
                 </a:tc>
                 <a:extLst>
                   <a:ext uri="{0D108BD9-81ED-4DB2-BD59-A6C34878D82A}">
-                    <a16:rowId xmlns:a16="http://schemas.microsoft.com/office/drawing/2014/main" val="10000"/>
+                    <a16:rowId xmlns:a16="http://schemas.microsoft.com/office/drawing/2014/main" xmlns="" val="10000"/>
                   </a:ext>
                 </a:extLst>
               </a:tr>
@@ -14774,7 +14825,7 @@
                 </a:tc>
                 <a:extLst>
                   <a:ext uri="{0D108BD9-81ED-4DB2-BD59-A6C34878D82A}">
-                    <a16:rowId xmlns:a16="http://schemas.microsoft.com/office/drawing/2014/main" val="10001"/>
+                    <a16:rowId xmlns:a16="http://schemas.microsoft.com/office/drawing/2014/main" xmlns="" val="10001"/>
                   </a:ext>
                 </a:extLst>
               </a:tr>
@@ -14877,7 +14928,7 @@
                 </a:tc>
                 <a:extLst>
                   <a:ext uri="{0D108BD9-81ED-4DB2-BD59-A6C34878D82A}">
-                    <a16:rowId xmlns:a16="http://schemas.microsoft.com/office/drawing/2014/main" val="10002"/>
+                    <a16:rowId xmlns:a16="http://schemas.microsoft.com/office/drawing/2014/main" xmlns="" val="10002"/>
                   </a:ext>
                 </a:extLst>
               </a:tr>
@@ -14980,7 +15031,7 @@
                 </a:tc>
                 <a:extLst>
                   <a:ext uri="{0D108BD9-81ED-4DB2-BD59-A6C34878D82A}">
-                    <a16:rowId xmlns:a16="http://schemas.microsoft.com/office/drawing/2014/main" val="10003"/>
+                    <a16:rowId xmlns:a16="http://schemas.microsoft.com/office/drawing/2014/main" xmlns="" val="10003"/>
                   </a:ext>
                 </a:extLst>
               </a:tr>
@@ -15069,28 +15120,28 @@
                 <a:gridCol w="1892342">
                   <a:extLst>
                     <a:ext uri="{9D8B030D-6E8A-4147-A177-3AD203B41FA5}">
-                      <a16:colId xmlns:a16="http://schemas.microsoft.com/office/drawing/2014/main" val="20000"/>
+                      <a16:colId xmlns:a16="http://schemas.microsoft.com/office/drawing/2014/main" xmlns="" val="20000"/>
                     </a:ext>
                   </a:extLst>
                 </a:gridCol>
                 <a:gridCol w="2067649">
                   <a:extLst>
                     <a:ext uri="{9D8B030D-6E8A-4147-A177-3AD203B41FA5}">
-                      <a16:colId xmlns:a16="http://schemas.microsoft.com/office/drawing/2014/main" val="20001"/>
+                      <a16:colId xmlns:a16="http://schemas.microsoft.com/office/drawing/2014/main" xmlns="" val="20001"/>
                     </a:ext>
                   </a:extLst>
                 </a:gridCol>
                 <a:gridCol w="1698687">
                   <a:extLst>
                     <a:ext uri="{9D8B030D-6E8A-4147-A177-3AD203B41FA5}">
-                      <a16:colId xmlns:a16="http://schemas.microsoft.com/office/drawing/2014/main" val="20002"/>
+                      <a16:colId xmlns:a16="http://schemas.microsoft.com/office/drawing/2014/main" xmlns="" val="20002"/>
                     </a:ext>
                   </a:extLst>
                 </a:gridCol>
                 <a:gridCol w="2438399">
                   <a:extLst>
                     <a:ext uri="{9D8B030D-6E8A-4147-A177-3AD203B41FA5}">
-                      <a16:colId xmlns:a16="http://schemas.microsoft.com/office/drawing/2014/main" val="20003"/>
+                      <a16:colId xmlns:a16="http://schemas.microsoft.com/office/drawing/2014/main" xmlns="" val="20003"/>
                     </a:ext>
                   </a:extLst>
                 </a:gridCol>
@@ -15194,7 +15245,7 @@
                 </a:tc>
                 <a:extLst>
                   <a:ext uri="{0D108BD9-81ED-4DB2-BD59-A6C34878D82A}">
-                    <a16:rowId xmlns:a16="http://schemas.microsoft.com/office/drawing/2014/main" val="10000"/>
+                    <a16:rowId xmlns:a16="http://schemas.microsoft.com/office/drawing/2014/main" xmlns="" val="10000"/>
                   </a:ext>
                 </a:extLst>
               </a:tr>
@@ -15304,7 +15355,7 @@
                 </a:tc>
                 <a:extLst>
                   <a:ext uri="{0D108BD9-81ED-4DB2-BD59-A6C34878D82A}">
-                    <a16:rowId xmlns:a16="http://schemas.microsoft.com/office/drawing/2014/main" val="10001"/>
+                    <a16:rowId xmlns:a16="http://schemas.microsoft.com/office/drawing/2014/main" xmlns="" val="10001"/>
                   </a:ext>
                 </a:extLst>
               </a:tr>
@@ -15407,7 +15458,7 @@
                 </a:tc>
                 <a:extLst>
                   <a:ext uri="{0D108BD9-81ED-4DB2-BD59-A6C34878D82A}">
-                    <a16:rowId xmlns:a16="http://schemas.microsoft.com/office/drawing/2014/main" val="10002"/>
+                    <a16:rowId xmlns:a16="http://schemas.microsoft.com/office/drawing/2014/main" xmlns="" val="10002"/>
                   </a:ext>
                 </a:extLst>
               </a:tr>
@@ -15506,7 +15557,7 @@
                 </a:tc>
                 <a:extLst>
                   <a:ext uri="{0D108BD9-81ED-4DB2-BD59-A6C34878D82A}">
-                    <a16:rowId xmlns:a16="http://schemas.microsoft.com/office/drawing/2014/main" val="10003"/>
+                    <a16:rowId xmlns:a16="http://schemas.microsoft.com/office/drawing/2014/main" xmlns="" val="10003"/>
                   </a:ext>
                 </a:extLst>
               </a:tr>
@@ -15667,7 +15718,7 @@
           <p:cNvPr id="6" name="Content Placeholder 5">
             <a:extLst>
               <a:ext uri="{FF2B5EF4-FFF2-40B4-BE49-F238E27FC236}">
-                <a16:creationId xmlns:a16="http://schemas.microsoft.com/office/drawing/2014/main" id="{9B337CF5-9A00-4AD2-BA30-9EA20A215982}"/>
+                <a16:creationId xmlns:a16="http://schemas.microsoft.com/office/drawing/2014/main" xmlns="" id="{9B337CF5-9A00-4AD2-BA30-9EA20A215982}"/>
               </a:ext>
             </a:extLst>
           </p:cNvPr>
@@ -15810,28 +15861,28 @@
                 <a:gridCol w="1941409">
                   <a:extLst>
                     <a:ext uri="{9D8B030D-6E8A-4147-A177-3AD203B41FA5}">
-                      <a16:colId xmlns:a16="http://schemas.microsoft.com/office/drawing/2014/main" val="20000"/>
+                      <a16:colId xmlns:a16="http://schemas.microsoft.com/office/drawing/2014/main" xmlns="" val="20000"/>
                     </a:ext>
                   </a:extLst>
                 </a:gridCol>
                 <a:gridCol w="1961035">
                   <a:extLst>
                     <a:ext uri="{9D8B030D-6E8A-4147-A177-3AD203B41FA5}">
-                      <a16:colId xmlns:a16="http://schemas.microsoft.com/office/drawing/2014/main" val="20001"/>
+                      <a16:colId xmlns:a16="http://schemas.microsoft.com/office/drawing/2014/main" xmlns="" val="20001"/>
                     </a:ext>
                   </a:extLst>
                 </a:gridCol>
                 <a:gridCol w="1776902">
                   <a:extLst>
                     <a:ext uri="{9D8B030D-6E8A-4147-A177-3AD203B41FA5}">
-                      <a16:colId xmlns:a16="http://schemas.microsoft.com/office/drawing/2014/main" val="20002"/>
+                      <a16:colId xmlns:a16="http://schemas.microsoft.com/office/drawing/2014/main" xmlns="" val="20002"/>
                     </a:ext>
                   </a:extLst>
                 </a:gridCol>
                 <a:gridCol w="2709280">
                   <a:extLst>
                     <a:ext uri="{9D8B030D-6E8A-4147-A177-3AD203B41FA5}">
-                      <a16:colId xmlns:a16="http://schemas.microsoft.com/office/drawing/2014/main" val="20003"/>
+                      <a16:colId xmlns:a16="http://schemas.microsoft.com/office/drawing/2014/main" xmlns="" val="20003"/>
                     </a:ext>
                   </a:extLst>
                 </a:gridCol>
@@ -15935,7 +15986,7 @@
                 </a:tc>
                 <a:extLst>
                   <a:ext uri="{0D108BD9-81ED-4DB2-BD59-A6C34878D82A}">
-                    <a16:rowId xmlns:a16="http://schemas.microsoft.com/office/drawing/2014/main" val="10000"/>
+                    <a16:rowId xmlns:a16="http://schemas.microsoft.com/office/drawing/2014/main" xmlns="" val="10000"/>
                   </a:ext>
                 </a:extLst>
               </a:tr>
@@ -16045,7 +16096,7 @@
                 </a:tc>
                 <a:extLst>
                   <a:ext uri="{0D108BD9-81ED-4DB2-BD59-A6C34878D82A}">
-                    <a16:rowId xmlns:a16="http://schemas.microsoft.com/office/drawing/2014/main" val="10001"/>
+                    <a16:rowId xmlns:a16="http://schemas.microsoft.com/office/drawing/2014/main" xmlns="" val="10001"/>
                   </a:ext>
                 </a:extLst>
               </a:tr>
@@ -16148,7 +16199,7 @@
                 </a:tc>
                 <a:extLst>
                   <a:ext uri="{0D108BD9-81ED-4DB2-BD59-A6C34878D82A}">
-                    <a16:rowId xmlns:a16="http://schemas.microsoft.com/office/drawing/2014/main" val="10002"/>
+                    <a16:rowId xmlns:a16="http://schemas.microsoft.com/office/drawing/2014/main" xmlns="" val="10002"/>
                   </a:ext>
                 </a:extLst>
               </a:tr>
@@ -16251,7 +16302,7 @@
                 </a:tc>
                 <a:extLst>
                   <a:ext uri="{0D108BD9-81ED-4DB2-BD59-A6C34878D82A}">
-                    <a16:rowId xmlns:a16="http://schemas.microsoft.com/office/drawing/2014/main" val="10003"/>
+                    <a16:rowId xmlns:a16="http://schemas.microsoft.com/office/drawing/2014/main" xmlns="" val="10003"/>
                   </a:ext>
                 </a:extLst>
               </a:tr>
@@ -16354,7 +16405,7 @@
                 </a:tc>
                 <a:extLst>
                   <a:ext uri="{0D108BD9-81ED-4DB2-BD59-A6C34878D82A}">
-                    <a16:rowId xmlns:a16="http://schemas.microsoft.com/office/drawing/2014/main" val="10004"/>
+                    <a16:rowId xmlns:a16="http://schemas.microsoft.com/office/drawing/2014/main" xmlns="" val="10004"/>
                   </a:ext>
                 </a:extLst>
               </a:tr>
@@ -16392,7 +16443,7 @@
           <p:cNvPr id="5" name="Title 4">
             <a:extLst>
               <a:ext uri="{FF2B5EF4-FFF2-40B4-BE49-F238E27FC236}">
-                <a16:creationId xmlns:a16="http://schemas.microsoft.com/office/drawing/2014/main" id="{EEAB82F3-FFA1-462E-AF15-F45D05F32D67}"/>
+                <a16:creationId xmlns:a16="http://schemas.microsoft.com/office/drawing/2014/main" xmlns="" id="{EEAB82F3-FFA1-462E-AF15-F45D05F32D67}"/>
               </a:ext>
             </a:extLst>
           </p:cNvPr>
@@ -16429,7 +16480,7 @@
           <p:cNvPr id="3" name="Content Placeholder 2">
             <a:extLst>
               <a:ext uri="{FF2B5EF4-FFF2-40B4-BE49-F238E27FC236}">
-                <a16:creationId xmlns:a16="http://schemas.microsoft.com/office/drawing/2014/main" id="{88EA14F4-0057-4651-90DC-A13674BC9CD5}"/>
+                <a16:creationId xmlns:a16="http://schemas.microsoft.com/office/drawing/2014/main" xmlns="" id="{88EA14F4-0057-4651-90DC-A13674BC9CD5}"/>
               </a:ext>
             </a:extLst>
           </p:cNvPr>
@@ -16493,7 +16544,7 @@
           <p:cNvPr id="2" name="Title 1">
             <a:extLst>
               <a:ext uri="{FF2B5EF4-FFF2-40B4-BE49-F238E27FC236}">
-                <a16:creationId xmlns:a16="http://schemas.microsoft.com/office/drawing/2014/main" id="{D6783F5F-81DA-4271-94AE-D45416C56C94}"/>
+                <a16:creationId xmlns:a16="http://schemas.microsoft.com/office/drawing/2014/main" xmlns="" id="{D6783F5F-81DA-4271-94AE-D45416C56C94}"/>
               </a:ext>
             </a:extLst>
           </p:cNvPr>
@@ -16535,7 +16586,7 @@
           <p:cNvPr id="8" name="Content Placeholder 7">
             <a:extLst>
               <a:ext uri="{FF2B5EF4-FFF2-40B4-BE49-F238E27FC236}">
-                <a16:creationId xmlns:a16="http://schemas.microsoft.com/office/drawing/2014/main" id="{458192E7-B86D-412A-8721-D553578C543A}"/>
+                <a16:creationId xmlns:a16="http://schemas.microsoft.com/office/drawing/2014/main" xmlns="" id="{458192E7-B86D-412A-8721-D553578C543A}"/>
               </a:ext>
             </a:extLst>
           </p:cNvPr>
@@ -16569,7 +16620,7 @@
           <p:cNvPr id="7" name="Picture 6">
             <a:extLst>
               <a:ext uri="{FF2B5EF4-FFF2-40B4-BE49-F238E27FC236}">
-                <a16:creationId xmlns:a16="http://schemas.microsoft.com/office/drawing/2014/main" id="{0B86E8C6-C02C-4CF5-AA6D-8DE49D06B3CF}"/>
+                <a16:creationId xmlns:a16="http://schemas.microsoft.com/office/drawing/2014/main" xmlns="" id="{0B86E8C6-C02C-4CF5-AA6D-8DE49D06B3CF}"/>
               </a:ext>
             </a:extLst>
           </p:cNvPr>
@@ -16634,7 +16685,7 @@
           <p:cNvPr id="4" name="Title 3">
             <a:extLst>
               <a:ext uri="{FF2B5EF4-FFF2-40B4-BE49-F238E27FC236}">
-                <a16:creationId xmlns:a16="http://schemas.microsoft.com/office/drawing/2014/main" id="{F345AEC2-2875-4D24-9E7B-36C8730F9608}"/>
+                <a16:creationId xmlns:a16="http://schemas.microsoft.com/office/drawing/2014/main" xmlns="" id="{F345AEC2-2875-4D24-9E7B-36C8730F9608}"/>
               </a:ext>
             </a:extLst>
           </p:cNvPr>
@@ -16663,7 +16714,7 @@
           <p:cNvPr id="8" name="Content Placeholder 7">
             <a:extLst>
               <a:ext uri="{FF2B5EF4-FFF2-40B4-BE49-F238E27FC236}">
-                <a16:creationId xmlns:a16="http://schemas.microsoft.com/office/drawing/2014/main" id="{D9442DDA-C9C7-4251-9DCE-01A78A2D21C8}"/>
+                <a16:creationId xmlns:a16="http://schemas.microsoft.com/office/drawing/2014/main" xmlns="" id="{D9442DDA-C9C7-4251-9DCE-01A78A2D21C8}"/>
               </a:ext>
             </a:extLst>
           </p:cNvPr>
@@ -16727,7 +16778,7 @@
           <p:cNvPr id="3" name="Title 2">
             <a:extLst>
               <a:ext uri="{FF2B5EF4-FFF2-40B4-BE49-F238E27FC236}">
-                <a16:creationId xmlns:a16="http://schemas.microsoft.com/office/drawing/2014/main" id="{18E39965-A214-4AEA-A79B-33E26FF0E5AB}"/>
+                <a16:creationId xmlns:a16="http://schemas.microsoft.com/office/drawing/2014/main" xmlns="" id="{18E39965-A214-4AEA-A79B-33E26FF0E5AB}"/>
               </a:ext>
             </a:extLst>
           </p:cNvPr>
@@ -16761,7 +16812,7 @@
           <p:cNvPr id="6" name="Content Placeholder 5">
             <a:extLst>
               <a:ext uri="{FF2B5EF4-FFF2-40B4-BE49-F238E27FC236}">
-                <a16:creationId xmlns:a16="http://schemas.microsoft.com/office/drawing/2014/main" id="{19667592-AF80-4A6E-B828-13B6C206CBBD}"/>
+                <a16:creationId xmlns:a16="http://schemas.microsoft.com/office/drawing/2014/main" xmlns="" id="{19667592-AF80-4A6E-B828-13B6C206CBBD}"/>
               </a:ext>
             </a:extLst>
           </p:cNvPr>
@@ -16825,7 +16876,7 @@
           <p:cNvPr id="3" name="Title 2">
             <a:extLst>
               <a:ext uri="{FF2B5EF4-FFF2-40B4-BE49-F238E27FC236}">
-                <a16:creationId xmlns:a16="http://schemas.microsoft.com/office/drawing/2014/main" id="{500803C3-14CB-4E31-8CD9-7F87A31EC33D}"/>
+                <a16:creationId xmlns:a16="http://schemas.microsoft.com/office/drawing/2014/main" xmlns="" id="{500803C3-14CB-4E31-8CD9-7F87A31EC33D}"/>
               </a:ext>
             </a:extLst>
           </p:cNvPr>
@@ -16854,7 +16905,7 @@
           <p:cNvPr id="6" name="Content Placeholder 5">
             <a:extLst>
               <a:ext uri="{FF2B5EF4-FFF2-40B4-BE49-F238E27FC236}">
-                <a16:creationId xmlns:a16="http://schemas.microsoft.com/office/drawing/2014/main" id="{298CE615-5A99-4CDA-A7FA-C0370540966E}"/>
+                <a16:creationId xmlns:a16="http://schemas.microsoft.com/office/drawing/2014/main" xmlns="" id="{298CE615-5A99-4CDA-A7FA-C0370540966E}"/>
               </a:ext>
             </a:extLst>
           </p:cNvPr>
@@ -16918,7 +16969,7 @@
           <p:cNvPr id="3" name="Title 2">
             <a:extLst>
               <a:ext uri="{FF2B5EF4-FFF2-40B4-BE49-F238E27FC236}">
-                <a16:creationId xmlns:a16="http://schemas.microsoft.com/office/drawing/2014/main" id="{2B971A19-8126-4A45-857C-E29D961D1FEC}"/>
+                <a16:creationId xmlns:a16="http://schemas.microsoft.com/office/drawing/2014/main" xmlns="" id="{2B971A19-8126-4A45-857C-E29D961D1FEC}"/>
               </a:ext>
             </a:extLst>
           </p:cNvPr>
@@ -16947,7 +16998,7 @@
           <p:cNvPr id="6" name="Content Placeholder 5">
             <a:extLst>
               <a:ext uri="{FF2B5EF4-FFF2-40B4-BE49-F238E27FC236}">
-                <a16:creationId xmlns:a16="http://schemas.microsoft.com/office/drawing/2014/main" id="{CE03A757-6C07-44CF-BB04-4C8CDCEFAE25}"/>
+                <a16:creationId xmlns:a16="http://schemas.microsoft.com/office/drawing/2014/main" xmlns="" id="{CE03A757-6C07-44CF-BB04-4C8CDCEFAE25}"/>
               </a:ext>
             </a:extLst>
           </p:cNvPr>
@@ -17063,7 +17114,7 @@
           <p:cNvPr id="2" name="Title 1">
             <a:extLst>
               <a:ext uri="{FF2B5EF4-FFF2-40B4-BE49-F238E27FC236}">
-                <a16:creationId xmlns:a16="http://schemas.microsoft.com/office/drawing/2014/main" id="{D9364A7E-B788-463D-95E4-9F2978A239E3}"/>
+                <a16:creationId xmlns:a16="http://schemas.microsoft.com/office/drawing/2014/main" xmlns="" id="{D9364A7E-B788-463D-95E4-9F2978A239E3}"/>
               </a:ext>
             </a:extLst>
           </p:cNvPr>
@@ -17097,7 +17148,7 @@
           <p:cNvPr id="3" name="Content Placeholder 2">
             <a:extLst>
               <a:ext uri="{FF2B5EF4-FFF2-40B4-BE49-F238E27FC236}">
-                <a16:creationId xmlns:a16="http://schemas.microsoft.com/office/drawing/2014/main" id="{C636DC9F-79A3-4FD0-9B27-0824AA436C84}"/>
+                <a16:creationId xmlns:a16="http://schemas.microsoft.com/office/drawing/2014/main" xmlns="" id="{C636DC9F-79A3-4FD0-9B27-0824AA436C84}"/>
               </a:ext>
             </a:extLst>
           </p:cNvPr>
@@ -17134,7 +17185,7 @@
           <p:cNvPr id="15" name="Content Placeholder 14">
             <a:extLst>
               <a:ext uri="{FF2B5EF4-FFF2-40B4-BE49-F238E27FC236}">
-                <a16:creationId xmlns:a16="http://schemas.microsoft.com/office/drawing/2014/main" id="{37FF1840-2ADF-4639-BBF6-D005EF7FCC1B}"/>
+                <a16:creationId xmlns:a16="http://schemas.microsoft.com/office/drawing/2014/main" xmlns="" id="{37FF1840-2ADF-4639-BBF6-D005EF7FCC1B}"/>
               </a:ext>
             </a:extLst>
           </p:cNvPr>
@@ -17442,6 +17493,14 @@
               </a:rPr>
               <a:t>SOFTWARE SPECIFICATION</a:t>
             </a:r>
+            <a:r>
+              <a:rPr lang="en-US" sz="1800" dirty="0">
+                <a:effectLst/>
+                <a:latin typeface="Times New Roman" panose="02020603050405020304" pitchFamily="18" charset="0"/>
+                <a:ea typeface="Times New Roman" panose="02020603050405020304" pitchFamily="18" charset="0"/>
+              </a:rPr>
+              <a:t/>
+            </a:r>
             <a:br>
               <a:rPr lang="en-US" sz="1800" dirty="0">
                 <a:effectLst/>
@@ -17590,6 +17649,14 @@
               </a:spcAft>
               <a:buNone/>
             </a:pPr>
+            <a:r>
+              <a:rPr lang="en-US" sz="1800" b="1" dirty="0">
+                <a:effectLst/>
+                <a:latin typeface="Times New Roman" panose="02020603050405020304" pitchFamily="18" charset="0"/>
+                <a:ea typeface="Calibri" panose="020F0502020204030204" pitchFamily="34" charset="0"/>
+              </a:rPr>
+              <a:t/>
+            </a:r>
             <a:br>
               <a:rPr lang="en-US" sz="1800" b="1" dirty="0">
                 <a:effectLst/>
@@ -17714,7 +17781,16 @@
                 <a:ea typeface="Calibri" panose="020F0502020204030204" pitchFamily="34" charset="0"/>
                 <a:cs typeface="Times New Roman" panose="02020603050405020304" pitchFamily="18" charset="0"/>
               </a:rPr>
-              <a:t> we can manage files and photos are in only laptop and mobile phone only. When the laptop or mobile can’t working or issue will be happening, we may chance to miss our photos and files. If the files are most important, we have to suffering the issue. </a:t>
+              <a:t> </a:t>
+            </a:r>
+            <a:r>
+              <a:rPr lang="en-US" sz="1800" cap="none" dirty="0" smtClean="0">
+                <a:effectLst/>
+                <a:latin typeface="Times New Roman" panose="02020603050405020304" pitchFamily="18" charset="0"/>
+                <a:ea typeface="Calibri" panose="020F0502020204030204" pitchFamily="34" charset="0"/>
+                <a:cs typeface="Times New Roman" panose="02020603050405020304" pitchFamily="18" charset="0"/>
+              </a:rPr>
+              <a:t>We can manage files and photos are in only laptop and mobile phone only. When the laptop or mobile can’t working or issue will be happening, we may chance to miss our photos and files. If the files are most important, we have to suffering the issue. </a:t>
             </a:r>
           </a:p>
           <a:p>
@@ -17731,7 +17807,7 @@
               <a:buNone/>
             </a:pPr>
             <a:r>
-              <a:rPr lang="en-US" sz="1800" b="1" dirty="0">
+              <a:rPr lang="en-US" sz="1800" b="1" dirty="0" smtClean="0">
                 <a:effectLst/>
                 <a:latin typeface="Times New Roman" panose="02020603050405020304" pitchFamily="18" charset="0"/>
                 <a:ea typeface="Calibri" panose="020F0502020204030204" pitchFamily="34" charset="0"/>
@@ -17761,7 +17837,7 @@
               <a:buChar char="Ø"/>
             </a:pPr>
             <a:r>
-              <a:rPr lang="en-US" sz="1800" dirty="0">
+              <a:rPr lang="en-US" sz="1800" cap="none" dirty="0" smtClean="0">
                 <a:effectLst/>
                 <a:latin typeface="Times New Roman" panose="02020603050405020304" pitchFamily="18" charset="0"/>
                 <a:ea typeface="Calibri" panose="020F0502020204030204" pitchFamily="34" charset="0"/>
@@ -17785,7 +17861,7 @@
               <a:buChar char="Ø"/>
             </a:pPr>
             <a:r>
-              <a:rPr lang="en-US" sz="1800" dirty="0">
+              <a:rPr lang="en-US" sz="1800" cap="none" dirty="0" smtClean="0">
                 <a:effectLst/>
                 <a:latin typeface="Times New Roman" panose="02020603050405020304" pitchFamily="18" charset="0"/>
                 <a:ea typeface="Calibri" panose="020F0502020204030204" pitchFamily="34" charset="0"/>
@@ -18046,7 +18122,7 @@
           <p:cNvPr id="2" name="Title 1">
             <a:extLst>
               <a:ext uri="{FF2B5EF4-FFF2-40B4-BE49-F238E27FC236}">
-                <a16:creationId xmlns:a16="http://schemas.microsoft.com/office/drawing/2014/main" id="{2DFD1341-A861-4F47-96AD-F66F061840B3}"/>
+                <a16:creationId xmlns:a16="http://schemas.microsoft.com/office/drawing/2014/main" xmlns="" id="{2DFD1341-A861-4F47-96AD-F66F061840B3}"/>
               </a:ext>
             </a:extLst>
           </p:cNvPr>
@@ -18080,7 +18156,7 @@
           <p:cNvPr id="3" name="Content Placeholder 2">
             <a:extLst>
               <a:ext uri="{FF2B5EF4-FFF2-40B4-BE49-F238E27FC236}">
-                <a16:creationId xmlns:a16="http://schemas.microsoft.com/office/drawing/2014/main" id="{65FD6459-0C62-4429-AB3B-45E88403E833}"/>
+                <a16:creationId xmlns:a16="http://schemas.microsoft.com/office/drawing/2014/main" xmlns="" id="{65FD6459-0C62-4429-AB3B-45E88403E833}"/>
               </a:ext>
             </a:extLst>
           </p:cNvPr>
@@ -18431,7 +18507,7 @@
     </a:clrScheme>
     <a:fontScheme name="Droplet">
       <a:majorFont>
-        <a:latin typeface="Tw Cen MT" panose="020B0602020104020603"/>
+        <a:latin typeface="Tw Cen MT"/>
         <a:ea typeface=""/>
         <a:cs typeface=""/>
         <a:font script="Jpan" typeface="ＭＳ Ｐゴシック"/>
@@ -18466,7 +18542,7 @@
         <a:font script="Geor" typeface="Sylfaen"/>
       </a:majorFont>
       <a:minorFont>
-        <a:latin typeface="Tw Cen MT" panose="020B0602020104020603"/>
+        <a:latin typeface="Tw Cen MT"/>
         <a:ea typeface=""/>
         <a:cs typeface=""/>
         <a:font script="Jpan" typeface="ＭＳ Ｐゴシック"/>
@@ -18646,7 +18722,7 @@
   <a:extraClrSchemeLst/>
   <a:extLst>
     <a:ext uri="{05A4C25C-085E-4340-85A3-A5531E510DB2}">
-      <thm15:themeFamily xmlns:thm15="http://schemas.microsoft.com/office/thememl/2012/main" name="Droplet" id="{8984A317-299A-4E50-B45D-BFC9EDE2337A}" vid="{DEB094D4-7FD8-4F86-93D5-B0F1341EF586}"/>
+      <thm15:themeFamily xmlns:thm15="http://schemas.microsoft.com/office/thememl/2012/main" xmlns="" name="Droplet" id="{8984A317-299A-4E50-B45D-BFC9EDE2337A}" vid="{DEB094D4-7FD8-4F86-93D5-B0F1341EF586}"/>
     </a:ext>
   </a:extLst>
 </a:theme>
